--- a/poster/poster.pptx
+++ b/poster/poster.pptx
@@ -4222,11 +4222,32 @@
               <a:defRPr/>
             </a:pPr>
             <a:r>
+              <a:rPr lang="fr-FR" sz="3600" i="1" kern="1500" dirty="0" smtClean="0">
+                <a:latin typeface="Helvetica" pitchFamily="34" charset="0"/>
+                <a:ea typeface="+mn-ea"/>
+              </a:rPr>
+              <a:t>front-end</a:t>
+            </a:r>
+            <a:r>
               <a:rPr lang="fr-FR" sz="3600" kern="1500" dirty="0" smtClean="0">
                 <a:latin typeface="Helvetica" pitchFamily="34" charset="0"/>
                 <a:ea typeface="+mn-ea"/>
               </a:rPr>
-              <a:t>front-end (client) et back-end (serveur).</a:t>
+              <a:t> (client) et </a:t>
+            </a:r>
+            <a:r>
+              <a:rPr lang="fr-FR" sz="3600" i="1" kern="1500" dirty="0" smtClean="0">
+                <a:latin typeface="Helvetica" pitchFamily="34" charset="0"/>
+                <a:ea typeface="+mn-ea"/>
+              </a:rPr>
+              <a:t>back-end</a:t>
+            </a:r>
+            <a:r>
+              <a:rPr lang="fr-FR" sz="3600" kern="1500" dirty="0" smtClean="0">
+                <a:latin typeface="Helvetica" pitchFamily="34" charset="0"/>
+                <a:ea typeface="+mn-ea"/>
+              </a:rPr>
+              <a:t> (serveur).</a:t>
             </a:r>
           </a:p>
           <a:p>
@@ -4727,16 +4748,7 @@
                 </a:solidFill>
                 <a:latin typeface="Helvetica" pitchFamily="34" charset="0"/>
               </a:rPr>
-              <a:t>Technologies </a:t>
-            </a:r>
-            <a:r>
-              <a:rPr lang="fr-FR" sz="4800" b="1" kern="1500" dirty="0" smtClean="0">
-                <a:solidFill>
-                  <a:srgbClr val="FF0000"/>
-                </a:solidFill>
-                <a:latin typeface="Helvetica" pitchFamily="34" charset="0"/>
-              </a:rPr>
-              <a:t>utilisées</a:t>
+              <a:t>Technologies utilisées</a:t>
             </a:r>
           </a:p>
           <a:p>
@@ -4852,7 +4864,7 @@
               </a:buClr>
               <a:defRPr/>
             </a:pPr>
-            <a:endParaRPr lang="fr-FR" sz="3600" kern="1500" dirty="0" smtClean="0">
+            <a:endParaRPr lang="fr-FR" sz="2000" kern="1500" dirty="0" smtClean="0">
               <a:latin typeface="Helvetica" pitchFamily="34" charset="0"/>
               <a:ea typeface="+mn-ea"/>
             </a:endParaRPr>
@@ -4929,14 +4941,7 @@
                 <a:latin typeface="Helvetica" pitchFamily="34" charset="0"/>
                 <a:ea typeface="+mn-ea"/>
               </a:rPr>
-              <a:t>L’application </a:t>
-            </a:r>
-            <a:r>
-              <a:rPr lang="fr-FR" sz="3600" kern="1500" dirty="0" smtClean="0">
-                <a:latin typeface="Helvetica" pitchFamily="34" charset="0"/>
-                <a:ea typeface="+mn-ea"/>
-              </a:rPr>
-              <a:t>mobile contient une vue web écrite en HTML et JavaScript, et utilisant le </a:t>
+              <a:t>L’application mobile contient une vue web écrite en HTML et JavaScript, et utilisant le </a:t>
             </a:r>
             <a:r>
               <a:rPr lang="fr-FR" sz="3600" i="1" kern="1500" dirty="0" err="1" smtClean="0">
@@ -4964,35 +4969,21 @@
                 <a:latin typeface="Helvetica" pitchFamily="34" charset="0"/>
                 <a:ea typeface="+mn-ea"/>
               </a:rPr>
-              <a:t>. Elle communique avec le serveur via une API (</a:t>
-            </a:r>
-            <a:r>
-              <a:rPr lang="fr-FR" sz="3600" i="1" kern="1500" dirty="0" smtClean="0">
-                <a:latin typeface="Helvetica" pitchFamily="34" charset="0"/>
-                <a:ea typeface="+mn-ea"/>
-              </a:rPr>
-              <a:t>Application </a:t>
-            </a:r>
-            <a:r>
-              <a:rPr lang="fr-FR" sz="3600" i="1" kern="1500" dirty="0" err="1" smtClean="0">
+              <a:t>. Elle communique avec le serveur via une API (Application </a:t>
+            </a:r>
+            <a:r>
+              <a:rPr lang="fr-FR" sz="3600" kern="1500" dirty="0" err="1" smtClean="0">
                 <a:latin typeface="Helvetica" pitchFamily="34" charset="0"/>
                 <a:ea typeface="+mn-ea"/>
               </a:rPr>
               <a:t>Programming</a:t>
             </a:r>
             <a:r>
-              <a:rPr lang="fr-FR" sz="3600" i="1" kern="1500" dirty="0" smtClean="0">
-                <a:latin typeface="Helvetica" pitchFamily="34" charset="0"/>
-                <a:ea typeface="+mn-ea"/>
-              </a:rPr>
-              <a:t> Interface</a:t>
-            </a:r>
-            <a:r>
               <a:rPr lang="fr-FR" sz="3600" kern="1500" dirty="0" smtClean="0">
                 <a:latin typeface="Helvetica" pitchFamily="34" charset="0"/>
                 <a:ea typeface="+mn-ea"/>
               </a:rPr>
-              <a:t>) </a:t>
+              <a:t> Interface) </a:t>
             </a:r>
             <a:r>
               <a:rPr lang="fr-FR" sz="3600" kern="1500" dirty="0" err="1" smtClean="0">
@@ -5006,14 +4997,7 @@
                 <a:latin typeface="Helvetica" pitchFamily="34" charset="0"/>
                 <a:ea typeface="+mn-ea"/>
               </a:rPr>
-              <a:t>, c’est-à-dire que les données sont transmises sur demande dans un format standard (JSON), sans dépendre de l’état de l’application. Ainsi, il est tout à fait possible de développer une autre application utilisant les données recueillie par le serveur</a:t>
-            </a:r>
-            <a:r>
-              <a:rPr lang="fr-FR" sz="3600" kern="1500" dirty="0" smtClean="0">
-                <a:latin typeface="Helvetica" pitchFamily="34" charset="0"/>
-                <a:ea typeface="+mn-ea"/>
-              </a:rPr>
-              <a:t>.</a:t>
+              <a:t>, c’est-à-dire que les données sont transmises sur demande dans un format standard (JSON), sans dépendre de l’état de l’application. Ainsi, il est tout à fait possible de développer une autre application utilisant les données recueillie par le serveur.</a:t>
             </a:r>
           </a:p>
           <a:p>
@@ -5029,7 +5013,7 @@
               </a:buClr>
               <a:defRPr/>
             </a:pPr>
-            <a:endParaRPr lang="fr-FR" sz="3600" kern="1500" dirty="0">
+            <a:endParaRPr lang="fr-FR" sz="2000" kern="1500" dirty="0">
               <a:latin typeface="Helvetica" pitchFamily="34" charset="0"/>
               <a:ea typeface="+mn-ea"/>
             </a:endParaRPr>
@@ -5054,12 +5038,86 @@
                 </a:solidFill>
                 <a:latin typeface="Helvetica" pitchFamily="34" charset="0"/>
               </a:rPr>
-              <a:t>Base de données</a:t>
-            </a:r>
-            <a:endParaRPr lang="fr-FR" sz="4800" b="1" kern="1500" dirty="0">
-              <a:solidFill>
+              <a:t>Base de </a:t>
+            </a:r>
+            <a:r>
+              <a:rPr lang="fr-FR" sz="4800" b="1" kern="1500" dirty="0" smtClean="0">
+                <a:solidFill>
+                  <a:srgbClr val="FF0000"/>
+                </a:solidFill>
+                <a:latin typeface="Helvetica" pitchFamily="34" charset="0"/>
+              </a:rPr>
+              <a:t>données</a:t>
+            </a:r>
+          </a:p>
+          <a:p>
+            <a:pPr defTabSz="1978224" fontAlgn="auto">
+              <a:lnSpc>
+                <a:spcPct val="125000"/>
+              </a:lnSpc>
+              <a:spcAft>
+                <a:spcPts val="0"/>
+              </a:spcAft>
+              <a:buClr>
                 <a:srgbClr val="FF0000"/>
-              </a:solidFill>
+              </a:buClr>
+              <a:defRPr/>
+            </a:pPr>
+            <a:r>
+              <a:rPr lang="fr-CH" sz="3600" kern="1500" dirty="0">
+                <a:latin typeface="Helvetica" pitchFamily="34" charset="0"/>
+              </a:rPr>
+              <a:t>La base de données </a:t>
+            </a:r>
+            <a:r>
+              <a:rPr lang="fr-CH" sz="3600" kern="1500" dirty="0" smtClean="0">
+                <a:latin typeface="Helvetica" pitchFamily="34" charset="0"/>
+              </a:rPr>
+              <a:t>stocke tous </a:t>
+            </a:r>
+            <a:r>
+              <a:rPr lang="fr-CH" sz="3600" kern="1500" dirty="0">
+                <a:latin typeface="Helvetica" pitchFamily="34" charset="0"/>
+              </a:rPr>
+              <a:t>les menus </a:t>
+            </a:r>
+            <a:r>
+              <a:rPr lang="fr-CH" sz="3600" kern="1500" dirty="0" smtClean="0">
+                <a:latin typeface="Helvetica" pitchFamily="34" charset="0"/>
+              </a:rPr>
+              <a:t>téléchargés </a:t>
+            </a:r>
+            <a:r>
+              <a:rPr lang="fr-CH" sz="3600" kern="1500" dirty="0">
+                <a:latin typeface="Helvetica" pitchFamily="34" charset="0"/>
+              </a:rPr>
+              <a:t>ainsi que leur date et le nombre de votes qu'ils ont reçus. Chaque aliment est </a:t>
+            </a:r>
+            <a:r>
+              <a:rPr lang="fr-CH" sz="3600" kern="1500" dirty="0" smtClean="0">
+                <a:latin typeface="Helvetica" pitchFamily="34" charset="0"/>
+              </a:rPr>
+              <a:t>représenté </a:t>
+            </a:r>
+            <a:r>
+              <a:rPr lang="fr-CH" sz="3600" kern="1500" dirty="0">
+                <a:latin typeface="Helvetica" pitchFamily="34" charset="0"/>
+              </a:rPr>
+              <a:t>avec son type (viande, légume, etc.), ainsi que ses valeurs nutritives. Le </a:t>
+            </a:r>
+            <a:r>
+              <a:rPr lang="fr-CH" sz="3600" kern="1500" dirty="0" smtClean="0">
+                <a:latin typeface="Helvetica" pitchFamily="34" charset="0"/>
+              </a:rPr>
+              <a:t>schéma de </a:t>
+            </a:r>
+            <a:r>
+              <a:rPr lang="fr-CH" sz="3600" kern="1500" dirty="0">
+                <a:latin typeface="Helvetica" pitchFamily="34" charset="0"/>
+              </a:rPr>
+              <a:t>la base de donnée est le suivant:</a:t>
+            </a:r>
+            <a:endParaRPr lang="fr-FR" sz="3600" kern="1500" dirty="0">
               <a:latin typeface="Helvetica" pitchFamily="34" charset="0"/>
             </a:endParaRPr>
           </a:p>
@@ -5309,8 +5367,8 @@
         </p:blipFill>
         <p:spPr>
           <a:xfrm>
-            <a:off x="6587128" y="28172743"/>
-            <a:ext cx="4659992" cy="8853484"/>
+            <a:off x="6390405" y="28185813"/>
+            <a:ext cx="4955048" cy="9414059"/>
           </a:xfrm>
           <a:prstGeom prst="rect">
             <a:avLst/>
@@ -5344,7 +5402,7 @@
                 <a:latin typeface="Helvetica" panose="020B0604020202020204" pitchFamily="34" charset="0"/>
                 <a:cs typeface="Helvetica" panose="020B0604020202020204" pitchFamily="34" charset="0"/>
               </a:rPr>
-              <a:t>Sacha Bron – Léonard Berney</a:t>
+              <a:t>Léonard Berney – Sacha Bron</a:t>
             </a:r>
             <a:endParaRPr lang="fr-CH" sz="6600" dirty="0">
               <a:latin typeface="Helvetica" panose="020B0604020202020204" pitchFamily="34" charset="0"/>
@@ -5435,7 +5493,7 @@
         </p:blipFill>
         <p:spPr>
           <a:xfrm>
-            <a:off x="20189585" y="22352938"/>
+            <a:off x="20189585" y="22017566"/>
             <a:ext cx="5413535" cy="1440000"/>
           </a:xfrm>
           <a:prstGeom prst="rect">
@@ -5465,7 +5523,7 @@
         </p:blipFill>
         <p:spPr>
           <a:xfrm>
-            <a:off x="15536547" y="22352938"/>
+            <a:off x="15536547" y="22017566"/>
             <a:ext cx="1440000" cy="1440000"/>
           </a:xfrm>
           <a:prstGeom prst="rect">
@@ -5495,7 +5553,7 @@
         </p:blipFill>
         <p:spPr>
           <a:xfrm>
-            <a:off x="17863066" y="22352938"/>
+            <a:off x="17863066" y="22017566"/>
             <a:ext cx="1440000" cy="1440000"/>
           </a:xfrm>
           <a:prstGeom prst="rect">
@@ -5525,7 +5583,7 @@
         </p:blipFill>
         <p:spPr>
           <a:xfrm>
-            <a:off x="15706527" y="31518796"/>
+            <a:off x="15736041" y="34197423"/>
             <a:ext cx="11556198" cy="4077905"/>
           </a:xfrm>
           <a:prstGeom prst="rect">
@@ -5541,7 +5599,7 @@
         </p:nvSpPr>
         <p:spPr>
           <a:xfrm>
-            <a:off x="6199560" y="37352259"/>
+            <a:off x="6199560" y="37752108"/>
             <a:ext cx="5429250" cy="523220"/>
           </a:xfrm>
           <a:prstGeom prst="rect">
@@ -5568,37 +5626,90 @@
           </a:p>
         </p:txBody>
       </p:sp>
-      <p:sp>
-        <p:nvSpPr>
-          <p:cNvPr id="20" name="ZoneTexte 19"/>
-          <p:cNvSpPr txBox="1"/>
+      <p:pic>
+        <p:nvPicPr>
+          <p:cNvPr id="5" name="Image 4"/>
+          <p:cNvPicPr>
+            <a:picLocks noChangeAspect="1"/>
+          </p:cNvPicPr>
           <p:nvPr/>
-        </p:nvSpPr>
+        </p:nvPicPr>
+        <p:blipFill>
+          <a:blip r:embed="rId12">
+            <a:extLst>
+              <a:ext uri="{28A0092B-C50C-407E-A947-70E740481C1C}">
+                <a14:useLocalDpi xmlns:a14="http://schemas.microsoft.com/office/drawing/2010/main" val="0"/>
+              </a:ext>
+            </a:extLst>
+          </a:blip>
+          <a:stretch>
+            <a:fillRect/>
+          </a:stretch>
+        </p:blipFill>
         <p:spPr>
           <a:xfrm>
-            <a:off x="17822056" y="35922733"/>
-            <a:ext cx="7325140" cy="523220"/>
+            <a:off x="24759892" y="546890"/>
+            <a:ext cx="4918895" cy="4918895"/>
           </a:xfrm>
           <a:prstGeom prst="rect">
             <a:avLst/>
           </a:prstGeom>
-          <a:noFill/>
         </p:spPr>
-        <p:txBody>
-          <a:bodyPr wrap="square" rtlCol="0">
-            <a:spAutoFit/>
-          </a:bodyPr>
+      </p:pic>
+      <p:sp>
+        <p:nvSpPr>
+          <p:cNvPr id="3" name="Rectangle 2"/>
+          <p:cNvSpPr/>
+          <p:nvPr/>
+        </p:nvSpPr>
+        <p:spPr>
+          <a:xfrm rot="2700000">
+            <a:off x="23437311" y="1676060"/>
+            <a:ext cx="9423666" cy="1016211"/>
+          </a:xfrm>
+          <a:prstGeom prst="rect">
+            <a:avLst/>
+          </a:prstGeom>
+          <a:solidFill>
+            <a:srgbClr val="FF0000"/>
+          </a:solidFill>
+          <a:ln>
+            <a:noFill/>
+          </a:ln>
+        </p:spPr>
+        <p:style>
+          <a:lnRef idx="1">
+            <a:schemeClr val="accent1"/>
+          </a:lnRef>
+          <a:fillRef idx="3">
+            <a:schemeClr val="accent1"/>
+          </a:fillRef>
+          <a:effectRef idx="2">
+            <a:schemeClr val="accent1"/>
+          </a:effectRef>
+          <a:fontRef idx="minor">
+            <a:schemeClr val="lt1"/>
+          </a:fontRef>
+        </p:style>
+        <p:txBody>
+          <a:bodyPr rtlCol="0" anchor="ctr"/>
           <a:lstStyle/>
           <a:p>
             <a:pPr algn="ctr"/>
             <a:r>
-              <a:rPr lang="fr-CH" sz="2800" dirty="0" smtClean="0">
-                <a:latin typeface="Helvetica" pitchFamily="34" charset="0"/>
+              <a:rPr lang="fr-CH" sz="6600" dirty="0" smtClean="0">
+                <a:latin typeface="Nueva Std Cond" panose="020B0506070504020203" pitchFamily="34" charset="0"/>
               </a:rPr>
-              <a:t>Schéma EER de la base de données</a:t>
-            </a:r>
-            <a:endParaRPr lang="fr-CH" sz="2800" dirty="0">
-              <a:latin typeface="Helvetica" pitchFamily="34" charset="0"/>
+              <a:t>Fork me on </a:t>
+            </a:r>
+            <a:r>
+              <a:rPr lang="fr-CH" sz="6600" dirty="0" err="1" smtClean="0">
+                <a:latin typeface="Nueva Std Cond" panose="020B0506070504020203" pitchFamily="34" charset="0"/>
+              </a:rPr>
+              <a:t>GitHub</a:t>
+            </a:r>
+            <a:endParaRPr lang="fr-CH" sz="6600" dirty="0">
+              <a:latin typeface="Nueva Std Cond" panose="020B0506070504020203" pitchFamily="34" charset="0"/>
             </a:endParaRPr>
           </a:p>
         </p:txBody>
